--- a/doc/ppt/第十二课-博客系统设计.pptx
+++ b/doc/ppt/第十二课-博客系统设计.pptx
@@ -8,9 +8,12 @@
     <p:sldId id="256" r:id="rId2"/>
     <p:sldId id="257" r:id="rId3"/>
     <p:sldId id="258" r:id="rId4"/>
-    <p:sldId id="259" r:id="rId5"/>
-    <p:sldId id="260" r:id="rId6"/>
-    <p:sldId id="261" r:id="rId7"/>
+    <p:sldId id="262" r:id="rId5"/>
+    <p:sldId id="259" r:id="rId6"/>
+    <p:sldId id="260" r:id="rId7"/>
+    <p:sldId id="261" r:id="rId8"/>
+    <p:sldId id="263" r:id="rId9"/>
+    <p:sldId id="264" r:id="rId10"/>
   </p:sldIdLst>
   <p:sldSz cx="9144000" cy="6858000" type="screen4x3"/>
   <p:notesSz cx="6858000" cy="9144000"/>
@@ -109,6 +112,22 @@
       </a:defRPr>
     </a:lvl9pPr>
   </p:defaultTextStyle>
+  <p:extLst>
+    <p:ext uri="{EFAFB233-063F-42B5-8137-9DF3F51BA10A}">
+      <p15:sldGuideLst xmlns:p15="http://schemas.microsoft.com/office/powerpoint/2012/main">
+        <p15:guide id="1" orient="horz" pos="2160">
+          <p15:clr>
+            <a:srgbClr val="A4A3A4"/>
+          </p15:clr>
+        </p15:guide>
+        <p15:guide id="2" pos="2880">
+          <p15:clr>
+            <a:srgbClr val="A4A3A4"/>
+          </p15:clr>
+        </p15:guide>
+      </p15:sldGuideLst>
+    </p:ext>
+  </p:extLst>
 </p:presentation>
 </file>
 
@@ -3276,11 +3295,7 @@
           <a:p>
             <a:r>
               <a:rPr lang="zh-CN" altLang="en-US" dirty="0" smtClean="0"/>
-              <a:t>博</a:t>
-            </a:r>
-            <a:r>
-              <a:rPr lang="zh-CN" altLang="en-US" dirty="0" smtClean="0"/>
-              <a:t>客模块</a:t>
+              <a:t>博客模块</a:t>
             </a:r>
             <a:endParaRPr lang="en-US" altLang="zh-CN" dirty="0" smtClean="0"/>
           </a:p>
@@ -3344,7 +3359,7 @@
           <a:p>
             <a:r>
               <a:rPr lang="zh-CN" altLang="en-US" dirty="0" smtClean="0"/>
-              <a:t>目录结构</a:t>
+              <a:t>项目结构</a:t>
             </a:r>
             <a:endParaRPr lang="zh-CN" altLang="en-US" dirty="0"/>
           </a:p>
@@ -3362,203 +3377,67 @@
         </p:nvSpPr>
         <p:spPr/>
         <p:txBody>
-          <a:bodyPr>
-            <a:normAutofit fontScale="77500" lnSpcReduction="20000"/>
-          </a:bodyPr>
-          <a:lstStyle/>
-          <a:p>
-            <a:r>
-              <a:rPr lang="zh-CN" altLang="en-US" dirty="0" smtClean="0"/>
-              <a:t>服务端</a:t>
+          <a:bodyPr/>
+          <a:lstStyle/>
+          <a:p>
+            <a:r>
+              <a:rPr lang="zh-CN" altLang="en-US" dirty="0" smtClean="0"/>
+              <a:t>前后端分离结构</a:t>
             </a:r>
             <a:endParaRPr lang="en-US" altLang="zh-CN" dirty="0" smtClean="0"/>
           </a:p>
           <a:p>
+            <a:r>
+              <a:rPr lang="zh-CN" altLang="en-US" dirty="0" smtClean="0"/>
+              <a:t>前端 </a:t>
+            </a:r>
+            <a:r>
+              <a:rPr lang="en-US" altLang="zh-CN" dirty="0" smtClean="0"/>
+              <a:t>web</a:t>
+            </a:r>
+          </a:p>
+          <a:p>
             <a:pPr lvl="1"/>
+            <a:r>
+              <a:rPr lang="zh-CN" altLang="en-US" dirty="0" smtClean="0"/>
+              <a:t>调用接口</a:t>
+            </a:r>
+            <a:endParaRPr lang="en-US" altLang="zh-CN" dirty="0" smtClean="0"/>
+          </a:p>
+          <a:p>
+            <a:pPr lvl="1"/>
+            <a:r>
+              <a:rPr lang="zh-CN" altLang="en-US" dirty="0"/>
+              <a:t>显示数据</a:t>
+            </a:r>
+            <a:endParaRPr lang="en-US" altLang="zh-CN" dirty="0" smtClean="0"/>
+          </a:p>
+          <a:p>
+            <a:r>
+              <a:rPr lang="zh-CN" altLang="en-US" dirty="0" smtClean="0"/>
+              <a:t>后端 </a:t>
+            </a:r>
             <a:r>
               <a:rPr lang="en-US" altLang="zh-CN" dirty="0" smtClean="0"/>
               <a:t>app</a:t>
             </a:r>
           </a:p>
           <a:p>
-            <a:pPr lvl="2"/>
-            <a:r>
-              <a:rPr lang="en-US" altLang="zh-CN" dirty="0" err="1" smtClean="0"/>
-              <a:t>config</a:t>
-            </a:r>
-            <a:r>
-              <a:rPr lang="en-US" altLang="zh-CN" dirty="0" smtClean="0"/>
-              <a:t>	</a:t>
-            </a:r>
-            <a:r>
-              <a:rPr lang="zh-CN" altLang="en-US" dirty="0" smtClean="0"/>
-              <a:t>配置文件夹</a:t>
-            </a:r>
-            <a:endParaRPr lang="en-US" altLang="zh-CN" dirty="0" smtClean="0"/>
-          </a:p>
-          <a:p>
-            <a:pPr lvl="3"/>
-            <a:r>
-              <a:rPr lang="en-US" altLang="zh-CN" dirty="0" smtClean="0"/>
-              <a:t>database.php	</a:t>
-            </a:r>
-            <a:r>
-              <a:rPr lang="zh-CN" altLang="en-US" dirty="0" smtClean="0"/>
-              <a:t>数据库配置文件</a:t>
-            </a:r>
-            <a:endParaRPr lang="en-US" altLang="zh-CN" dirty="0" smtClean="0"/>
-          </a:p>
-          <a:p>
-            <a:pPr lvl="2"/>
-            <a:r>
-              <a:rPr lang="en-US" altLang="zh-CN" dirty="0" smtClean="0"/>
-              <a:t>lib		</a:t>
-            </a:r>
-            <a:r>
-              <a:rPr lang="zh-CN" altLang="en-US" dirty="0" smtClean="0"/>
-              <a:t>类文件夹</a:t>
-            </a:r>
-            <a:endParaRPr lang="en-US" altLang="zh-CN" dirty="0" smtClean="0"/>
-          </a:p>
-          <a:p>
-            <a:pPr lvl="3"/>
-            <a:r>
-              <a:rPr lang="en-US" altLang="zh-CN" dirty="0" smtClean="0"/>
-              <a:t>log	</a:t>
-            </a:r>
-            <a:r>
-              <a:rPr lang="zh-CN" altLang="en-US" dirty="0" smtClean="0"/>
-              <a:t>日志类文件夹</a:t>
-            </a:r>
-            <a:endParaRPr lang="en-US" altLang="zh-CN" dirty="0" smtClean="0"/>
-          </a:p>
-          <a:p>
-            <a:pPr lvl="3"/>
-            <a:r>
-              <a:rPr lang="en-US" altLang="zh-CN" dirty="0" smtClean="0"/>
-              <a:t>request	</a:t>
-            </a:r>
-            <a:r>
-              <a:rPr lang="zh-CN" altLang="en-US" dirty="0" smtClean="0"/>
-              <a:t>请求类文件夹</a:t>
-            </a:r>
-            <a:endParaRPr lang="en-US" altLang="zh-CN" dirty="0" smtClean="0"/>
-          </a:p>
-          <a:p>
-            <a:pPr lvl="3"/>
-            <a:r>
-              <a:rPr lang="en-US" altLang="zh-CN" dirty="0" smtClean="0"/>
-              <a:t>response	</a:t>
-            </a:r>
-            <a:r>
-              <a:rPr lang="zh-CN" altLang="en-US" dirty="0" smtClean="0"/>
-              <a:t>返回类文件夹</a:t>
-            </a:r>
-            <a:endParaRPr lang="en-US" altLang="zh-CN" dirty="0" smtClean="0"/>
-          </a:p>
-          <a:p>
-            <a:pPr lvl="3"/>
-            <a:r>
-              <a:rPr lang="en-US" altLang="zh-CN" dirty="0" smtClean="0"/>
-              <a:t>App.php	</a:t>
-            </a:r>
-            <a:r>
-              <a:rPr lang="zh-CN" altLang="en-US" dirty="0" smtClean="0"/>
-              <a:t>访问类通用入口</a:t>
-            </a:r>
-            <a:endParaRPr lang="en-US" altLang="zh-CN" dirty="0" smtClean="0"/>
-          </a:p>
-          <a:p>
-            <a:pPr lvl="2"/>
-            <a:r>
-              <a:rPr lang="en-US" altLang="zh-CN" dirty="0" smtClean="0"/>
-              <a:t>public	</a:t>
-            </a:r>
-            <a:r>
-              <a:rPr lang="zh-CN" altLang="en-US" dirty="0" smtClean="0"/>
-              <a:t>入口文件夹</a:t>
-            </a:r>
-            <a:endParaRPr lang="en-US" altLang="zh-CN" dirty="0" smtClean="0"/>
-          </a:p>
-          <a:p>
-            <a:pPr lvl="3"/>
-            <a:r>
-              <a:rPr lang="en-US" altLang="zh-CN" dirty="0" smtClean="0"/>
-              <a:t>index.php	</a:t>
-            </a:r>
-            <a:r>
-              <a:rPr lang="zh-CN" altLang="en-US" dirty="0" smtClean="0"/>
-              <a:t>项目入口</a:t>
-            </a:r>
-            <a:endParaRPr lang="en-US" altLang="zh-CN" dirty="0" smtClean="0"/>
-          </a:p>
-          <a:p>
-            <a:pPr lvl="2"/>
-            <a:r>
-              <a:rPr lang="en-US" altLang="zh-CN" dirty="0" smtClean="0"/>
-              <a:t>log		</a:t>
-            </a:r>
-            <a:r>
-              <a:rPr lang="zh-CN" altLang="en-US" dirty="0" smtClean="0"/>
-              <a:t>日志文件夹</a:t>
-            </a:r>
-            <a:endParaRPr lang="en-US" altLang="zh-CN" dirty="0" smtClean="0"/>
-          </a:p>
-          <a:p>
-            <a:pPr lvl="3"/>
-            <a:r>
-              <a:rPr lang="en-US" altLang="zh-CN" dirty="0" smtClean="0"/>
-              <a:t>debug.log	</a:t>
-            </a:r>
-            <a:r>
-              <a:rPr lang="zh-CN" altLang="en-US" dirty="0" smtClean="0"/>
-              <a:t>调试日志</a:t>
-            </a:r>
-            <a:endParaRPr lang="en-US" altLang="zh-CN" dirty="0" smtClean="0"/>
-          </a:p>
-          <a:p>
-            <a:pPr lvl="2"/>
-            <a:r>
-              <a:rPr lang="en-US" altLang="zh-CN" dirty="0" smtClean="0"/>
-              <a:t>service	</a:t>
-            </a:r>
-            <a:r>
-              <a:rPr lang="zh-CN" altLang="en-US" dirty="0" smtClean="0"/>
-              <a:t>接口类文件夹</a:t>
-            </a:r>
-            <a:endParaRPr lang="en-US" altLang="zh-CN" dirty="0" smtClean="0"/>
-          </a:p>
-          <a:p>
-            <a:pPr lvl="3"/>
-            <a:r>
-              <a:rPr lang="en-US" altLang="zh-CN" dirty="0" smtClean="0"/>
-              <a:t>User.php	</a:t>
-            </a:r>
-            <a:r>
-              <a:rPr lang="zh-CN" altLang="en-US" dirty="0" smtClean="0"/>
-              <a:t>用户接口类</a:t>
-            </a:r>
-            <a:endParaRPr lang="en-US" altLang="zh-CN" dirty="0" smtClean="0"/>
-          </a:p>
-          <a:p>
-            <a:pPr lvl="3"/>
-            <a:r>
-              <a:rPr lang="en-US" altLang="zh-CN" dirty="0" smtClean="0"/>
-              <a:t>Blog.php	</a:t>
-            </a:r>
-            <a:r>
-              <a:rPr lang="zh-CN" altLang="en-US" dirty="0" smtClean="0"/>
-              <a:t>博客接口类</a:t>
-            </a:r>
-            <a:endParaRPr lang="en-US" altLang="zh-CN" dirty="0" smtClean="0"/>
-          </a:p>
-          <a:p>
             <a:pPr lvl="1"/>
+            <a:r>
+              <a:rPr lang="zh-CN" altLang="en-US" dirty="0" smtClean="0"/>
+              <a:t>提供接口</a:t>
+            </a:r>
             <a:endParaRPr lang="zh-CN" altLang="en-US" dirty="0"/>
           </a:p>
         </p:txBody>
       </p:sp>
     </p:spTree>
+    <p:extLst>
+      <p:ext uri="{BB962C8B-B14F-4D97-AF65-F5344CB8AC3E}">
+        <p14:creationId xmlns:p14="http://schemas.microsoft.com/office/powerpoint/2010/main" val="1366937385"/>
+      </p:ext>
+    </p:extLst>
   </p:cSld>
   <p:clrMapOvr>
     <a:masterClrMapping/>
@@ -3600,7 +3479,7 @@
           <a:p>
             <a:r>
               <a:rPr lang="zh-CN" altLang="en-US" dirty="0" smtClean="0"/>
-              <a:t>包含知识</a:t>
+              <a:t>目录结构</a:t>
             </a:r>
             <a:endParaRPr lang="zh-CN" altLang="en-US" dirty="0"/>
           </a:p>
@@ -3618,73 +3497,198 @@
         </p:nvSpPr>
         <p:spPr/>
         <p:txBody>
-          <a:bodyPr/>
-          <a:lstStyle/>
-          <a:p>
+          <a:bodyPr>
+            <a:normAutofit fontScale="77500" lnSpcReduction="20000"/>
+          </a:bodyPr>
+          <a:lstStyle/>
+          <a:p>
+            <a:r>
+              <a:rPr lang="zh-CN" altLang="en-US" dirty="0" smtClean="0"/>
+              <a:t>服务端</a:t>
+            </a:r>
+            <a:endParaRPr lang="en-US" altLang="zh-CN" dirty="0" smtClean="0"/>
+          </a:p>
+          <a:p>
+            <a:pPr lvl="1"/>
+            <a:r>
+              <a:rPr lang="en-US" altLang="zh-CN" dirty="0" smtClean="0"/>
+              <a:t>app</a:t>
+            </a:r>
+          </a:p>
+          <a:p>
+            <a:pPr lvl="2"/>
             <a:r>
               <a:rPr lang="en-US" altLang="zh-CN" dirty="0" err="1" smtClean="0"/>
-              <a:t>is_callable</a:t>
+              <a:t>config</a:t>
             </a:r>
             <a:r>
               <a:rPr lang="en-US" altLang="zh-CN" dirty="0" smtClean="0"/>
-              <a:t>()</a:t>
-            </a:r>
-          </a:p>
-          <a:p>
+              <a:t>	</a:t>
+            </a:r>
+            <a:r>
+              <a:rPr lang="zh-CN" altLang="en-US" dirty="0" smtClean="0"/>
+              <a:t>配置文件夹</a:t>
+            </a:r>
+            <a:endParaRPr lang="en-US" altLang="zh-CN" dirty="0" smtClean="0"/>
+          </a:p>
+          <a:p>
+            <a:pPr lvl="3"/>
             <a:r>
               <a:rPr lang="en-US" altLang="zh-CN" dirty="0" smtClean="0"/>
-              <a:t>new self() </a:t>
-            </a:r>
-            <a:r>
-              <a:rPr lang="zh-CN" altLang="en-US" dirty="0" smtClean="0"/>
-              <a:t>与 </a:t>
-            </a:r>
+              <a:t>database.php	</a:t>
+            </a:r>
+            <a:r>
+              <a:rPr lang="zh-CN" altLang="en-US" dirty="0" smtClean="0"/>
+              <a:t>数据库配置文件</a:t>
+            </a:r>
+            <a:endParaRPr lang="en-US" altLang="zh-CN" dirty="0" smtClean="0"/>
+          </a:p>
+          <a:p>
+            <a:pPr lvl="2"/>
             <a:r>
               <a:rPr lang="en-US" altLang="zh-CN" dirty="0" smtClean="0"/>
-              <a:t>new static()</a:t>
-            </a:r>
-          </a:p>
-          <a:p>
-            <a:r>
-              <a:rPr lang="zh-CN" altLang="en-US" dirty="0" smtClean="0"/>
-              <a:t>单实例模式</a:t>
+              <a:t>lib		</a:t>
+            </a:r>
+            <a:r>
+              <a:rPr lang="zh-CN" altLang="en-US" dirty="0" smtClean="0"/>
+              <a:t>类文件夹</a:t>
             </a:r>
             <a:endParaRPr lang="en-US" altLang="zh-CN" dirty="0" smtClean="0"/>
           </a:p>
           <a:p>
-            <a:r>
-              <a:rPr lang="zh-CN" altLang="en-US" dirty="0" smtClean="0"/>
-              <a:t>单一入口模式</a:t>
+            <a:pPr lvl="3"/>
+            <a:r>
+              <a:rPr lang="en-US" altLang="zh-CN" dirty="0" smtClean="0"/>
+              <a:t>log	</a:t>
+            </a:r>
+            <a:r>
+              <a:rPr lang="zh-CN" altLang="en-US" dirty="0" smtClean="0"/>
+              <a:t>日志类文件夹</a:t>
             </a:r>
             <a:endParaRPr lang="en-US" altLang="zh-CN" dirty="0" smtClean="0"/>
           </a:p>
           <a:p>
-            <a:r>
-              <a:rPr lang="en-US" dirty="0" err="1" smtClean="0"/>
-              <a:t>spl_autoload_register</a:t>
-            </a:r>
-            <a:r>
-              <a:rPr lang="en-US" dirty="0" smtClean="0"/>
-              <a:t>()</a:t>
-            </a:r>
-          </a:p>
-          <a:p>
-            <a:r>
-              <a:rPr lang="en-US" dirty="0" smtClean="0"/>
-              <a:t>explode()</a:t>
-            </a:r>
-          </a:p>
-          <a:p>
-            <a:r>
-              <a:rPr lang="en-US" dirty="0" err="1" smtClean="0"/>
-              <a:t>call_user_func_array</a:t>
-            </a:r>
-            <a:r>
-              <a:rPr lang="en-US" dirty="0" smtClean="0"/>
-              <a:t>()</a:t>
-            </a:r>
-          </a:p>
-          <a:p>
+            <a:pPr lvl="3"/>
+            <a:r>
+              <a:rPr lang="en-US" altLang="zh-CN" dirty="0" smtClean="0"/>
+              <a:t>request	</a:t>
+            </a:r>
+            <a:r>
+              <a:rPr lang="zh-CN" altLang="en-US" dirty="0" smtClean="0"/>
+              <a:t>请求类文件夹</a:t>
+            </a:r>
+            <a:endParaRPr lang="en-US" altLang="zh-CN" dirty="0" smtClean="0"/>
+          </a:p>
+          <a:p>
+            <a:pPr lvl="3"/>
+            <a:r>
+              <a:rPr lang="en-US" altLang="zh-CN" dirty="0" smtClean="0"/>
+              <a:t>response	</a:t>
+            </a:r>
+            <a:r>
+              <a:rPr lang="zh-CN" altLang="en-US" dirty="0" smtClean="0"/>
+              <a:t>返回类文件夹</a:t>
+            </a:r>
+            <a:endParaRPr lang="en-US" altLang="zh-CN" dirty="0" smtClean="0"/>
+          </a:p>
+          <a:p>
+            <a:pPr lvl="3"/>
+            <a:r>
+              <a:rPr lang="en-US" altLang="zh-CN" dirty="0" smtClean="0"/>
+              <a:t>App.php	</a:t>
+            </a:r>
+            <a:r>
+              <a:rPr lang="zh-CN" altLang="en-US" dirty="0" smtClean="0"/>
+              <a:t>访问类通用入口</a:t>
+            </a:r>
+            <a:endParaRPr lang="en-US" altLang="zh-CN" dirty="0" smtClean="0"/>
+          </a:p>
+          <a:p>
+            <a:pPr lvl="2"/>
+            <a:r>
+              <a:rPr lang="en-US" altLang="zh-CN" dirty="0" smtClean="0"/>
+              <a:t>public	</a:t>
+            </a:r>
+            <a:r>
+              <a:rPr lang="zh-CN" altLang="en-US" dirty="0" smtClean="0"/>
+              <a:t>入口文件夹</a:t>
+            </a:r>
+            <a:endParaRPr lang="en-US" altLang="zh-CN" dirty="0" smtClean="0"/>
+          </a:p>
+          <a:p>
+            <a:pPr lvl="3"/>
+            <a:r>
+              <a:rPr lang="en-US" altLang="zh-CN" dirty="0" smtClean="0"/>
+              <a:t>index.php	</a:t>
+            </a:r>
+            <a:r>
+              <a:rPr lang="zh-CN" altLang="en-US" dirty="0" smtClean="0"/>
+              <a:t>项目入口</a:t>
+            </a:r>
+            <a:endParaRPr lang="en-US" altLang="zh-CN" dirty="0" smtClean="0"/>
+          </a:p>
+          <a:p>
+            <a:pPr lvl="2"/>
+            <a:r>
+              <a:rPr lang="en-US" altLang="zh-CN" dirty="0" smtClean="0"/>
+              <a:t>log		</a:t>
+            </a:r>
+            <a:r>
+              <a:rPr lang="zh-CN" altLang="en-US" dirty="0" smtClean="0"/>
+              <a:t>日志文件夹</a:t>
+            </a:r>
+            <a:endParaRPr lang="en-US" altLang="zh-CN" dirty="0" smtClean="0"/>
+          </a:p>
+          <a:p>
+            <a:pPr lvl="3"/>
+            <a:r>
+              <a:rPr lang="en-US" altLang="zh-CN" dirty="0" smtClean="0"/>
+              <a:t>debug.log	</a:t>
+            </a:r>
+            <a:r>
+              <a:rPr lang="zh-CN" altLang="en-US" dirty="0" smtClean="0"/>
+              <a:t>调试日志</a:t>
+            </a:r>
+            <a:endParaRPr lang="en-US" altLang="zh-CN" dirty="0" smtClean="0"/>
+          </a:p>
+          <a:p>
+            <a:pPr lvl="2"/>
+            <a:r>
+              <a:rPr lang="en-US" altLang="zh-CN" dirty="0" smtClean="0"/>
+              <a:t>service	</a:t>
+            </a:r>
+            <a:r>
+              <a:rPr lang="zh-CN" altLang="en-US" dirty="0" smtClean="0"/>
+              <a:t>接口类文件夹</a:t>
+            </a:r>
+            <a:endParaRPr lang="en-US" altLang="zh-CN" dirty="0" smtClean="0"/>
+          </a:p>
+          <a:p>
+            <a:pPr lvl="3"/>
+            <a:r>
+              <a:rPr lang="en-US" altLang="zh-CN" dirty="0" smtClean="0"/>
+              <a:t>User.php	</a:t>
+            </a:r>
+            <a:r>
+              <a:rPr lang="zh-CN" altLang="en-US" dirty="0" smtClean="0"/>
+              <a:t>用户接口类</a:t>
+            </a:r>
+            <a:endParaRPr lang="en-US" altLang="zh-CN" dirty="0" smtClean="0"/>
+          </a:p>
+          <a:p>
+            <a:pPr lvl="3"/>
+            <a:r>
+              <a:rPr lang="en-US" altLang="zh-CN" dirty="0" smtClean="0"/>
+              <a:t>Blog.php	</a:t>
+            </a:r>
+            <a:r>
+              <a:rPr lang="zh-CN" altLang="en-US" dirty="0" smtClean="0"/>
+              <a:t>博客接口类</a:t>
+            </a:r>
+            <a:endParaRPr lang="en-US" altLang="zh-CN" dirty="0" smtClean="0"/>
+          </a:p>
+          <a:p>
+            <a:pPr lvl="1"/>
             <a:endParaRPr lang="zh-CN" altLang="en-US" dirty="0"/>
           </a:p>
         </p:txBody>
@@ -3730,6 +3734,270 @@
           <a:lstStyle/>
           <a:p>
             <a:r>
+              <a:rPr lang="zh-CN" altLang="en-US" dirty="0" smtClean="0"/>
+              <a:t>包含知识</a:t>
+            </a:r>
+            <a:endParaRPr lang="zh-CN" altLang="en-US" dirty="0"/>
+          </a:p>
+        </p:txBody>
+      </p:sp>
+      <p:sp>
+        <p:nvSpPr>
+          <p:cNvPr id="3" name="内容占位符 2"/>
+          <p:cNvSpPr>
+            <a:spLocks noGrp="1"/>
+          </p:cNvSpPr>
+          <p:nvPr>
+            <p:ph idx="1"/>
+          </p:nvPr>
+        </p:nvSpPr>
+        <p:spPr/>
+        <p:txBody>
+          <a:bodyPr>
+            <a:normAutofit fontScale="85000" lnSpcReduction="20000"/>
+          </a:bodyPr>
+          <a:lstStyle/>
+          <a:p>
+            <a:r>
+              <a:rPr lang="en-US" altLang="zh-CN" dirty="0" err="1" smtClean="0"/>
+              <a:t>is_callable</a:t>
+            </a:r>
+            <a:r>
+              <a:rPr lang="en-US" altLang="zh-CN" dirty="0" smtClean="0"/>
+              <a:t>() </a:t>
+            </a:r>
+            <a:r>
+              <a:rPr lang="zh-CN" altLang="en-US" dirty="0" smtClean="0"/>
+              <a:t>判断方法</a:t>
+            </a:r>
+            <a:r>
+              <a:rPr lang="en-US" altLang="zh-CN" dirty="0" smtClean="0"/>
+              <a:t>(</a:t>
+            </a:r>
+            <a:r>
+              <a:rPr lang="zh-CN" altLang="en-US" dirty="0" smtClean="0"/>
+              <a:t>函数</a:t>
+            </a:r>
+            <a:r>
+              <a:rPr lang="en-US" altLang="zh-CN" dirty="0" smtClean="0"/>
+              <a:t>)</a:t>
+            </a:r>
+            <a:r>
+              <a:rPr lang="zh-CN" altLang="en-US" dirty="0" smtClean="0"/>
+              <a:t>是否存在</a:t>
+            </a:r>
+            <a:endParaRPr lang="en-US" altLang="zh-CN" dirty="0" smtClean="0"/>
+          </a:p>
+          <a:p>
+            <a:r>
+              <a:rPr lang="en-US" altLang="zh-CN" dirty="0" smtClean="0"/>
+              <a:t>new self() </a:t>
+            </a:r>
+            <a:r>
+              <a:rPr lang="zh-CN" altLang="en-US" dirty="0" smtClean="0"/>
+              <a:t>与 </a:t>
+            </a:r>
+            <a:r>
+              <a:rPr lang="en-US" altLang="zh-CN" dirty="0" smtClean="0"/>
+              <a:t>new static</a:t>
+            </a:r>
+            <a:r>
+              <a:rPr lang="en-US" altLang="zh-CN" dirty="0" smtClean="0"/>
+              <a:t>() </a:t>
+            </a:r>
+            <a:r>
+              <a:rPr lang="zh-CN" altLang="en-US" dirty="0" smtClean="0"/>
+              <a:t>在类中的静态方法，创建类本身的实例</a:t>
+            </a:r>
+            <a:endParaRPr lang="en-US" altLang="zh-CN" dirty="0" smtClean="0"/>
+          </a:p>
+          <a:p>
+            <a:r>
+              <a:rPr lang="zh-CN" altLang="en-US" dirty="0" smtClean="0"/>
+              <a:t>单实例</a:t>
+            </a:r>
+            <a:r>
+              <a:rPr lang="zh-CN" altLang="en-US" dirty="0" smtClean="0"/>
+              <a:t>模式</a:t>
+            </a:r>
+            <a:r>
+              <a:rPr lang="en-US" altLang="zh-CN" dirty="0" smtClean="0"/>
+              <a:t>: </a:t>
+            </a:r>
+            <a:r>
+              <a:rPr lang="zh-CN" altLang="en-US" dirty="0" smtClean="0"/>
+              <a:t>一种设计模式</a:t>
+            </a:r>
+            <a:r>
+              <a:rPr lang="en-US" altLang="zh-CN" dirty="0" smtClean="0"/>
+              <a:t>,</a:t>
+            </a:r>
+            <a:r>
+              <a:rPr lang="zh-CN" altLang="en-US" dirty="0" smtClean="0"/>
+              <a:t>目的是节省资源</a:t>
+            </a:r>
+            <a:r>
+              <a:rPr lang="en-US" altLang="zh-CN" dirty="0" smtClean="0"/>
+              <a:t>,</a:t>
+            </a:r>
+            <a:r>
+              <a:rPr lang="zh-CN" altLang="en-US" dirty="0" smtClean="0"/>
+              <a:t>应用中只会存在一个类的实例</a:t>
+            </a:r>
+            <a:endParaRPr lang="en-US" altLang="zh-CN" dirty="0" smtClean="0"/>
+          </a:p>
+          <a:p>
+            <a:r>
+              <a:rPr lang="zh-CN" altLang="en-US" dirty="0" smtClean="0"/>
+              <a:t>单一入口</a:t>
+            </a:r>
+            <a:r>
+              <a:rPr lang="zh-CN" altLang="en-US" dirty="0" smtClean="0"/>
+              <a:t>模式</a:t>
+            </a:r>
+            <a:r>
+              <a:rPr lang="en-US" altLang="zh-CN" dirty="0" smtClean="0"/>
+              <a:t>:  </a:t>
+            </a:r>
+            <a:r>
+              <a:rPr lang="zh-CN" altLang="en-US" dirty="0"/>
+              <a:t>只</a:t>
+            </a:r>
+            <a:r>
+              <a:rPr lang="zh-CN" altLang="en-US" dirty="0" smtClean="0"/>
+              <a:t>能够访问一个</a:t>
+            </a:r>
+            <a:r>
+              <a:rPr lang="en-US" altLang="zh-CN" dirty="0" err="1" smtClean="0"/>
+              <a:t>php</a:t>
+            </a:r>
+            <a:r>
+              <a:rPr lang="zh-CN" altLang="en-US" dirty="0" smtClean="0"/>
+              <a:t>文件</a:t>
+            </a:r>
+            <a:endParaRPr lang="en-US" altLang="zh-CN" dirty="0" smtClean="0"/>
+          </a:p>
+          <a:p>
+            <a:r>
+              <a:rPr lang="en-US" dirty="0" err="1" smtClean="0"/>
+              <a:t>spl_autoload_register</a:t>
+            </a:r>
+            <a:r>
+              <a:rPr lang="en-US" dirty="0" smtClean="0"/>
+              <a:t>() </a:t>
+            </a:r>
+            <a:r>
+              <a:rPr lang="zh-CN" altLang="en-US" dirty="0" smtClean="0"/>
+              <a:t>注册一个自动加载方法</a:t>
+            </a:r>
+            <a:endParaRPr lang="en-US" dirty="0" smtClean="0"/>
+          </a:p>
+          <a:p>
+            <a:r>
+              <a:rPr lang="en-US" dirty="0" smtClean="0"/>
+              <a:t>explode</a:t>
+            </a:r>
+            <a:r>
+              <a:rPr lang="en-US" dirty="0" smtClean="0"/>
+              <a:t>() </a:t>
+            </a:r>
+            <a:r>
+              <a:rPr lang="zh-CN" altLang="en-US" dirty="0" smtClean="0"/>
+              <a:t>拆分字符串的函数</a:t>
+            </a:r>
+            <a:endParaRPr lang="en-US" dirty="0" smtClean="0"/>
+          </a:p>
+          <a:p>
+            <a:r>
+              <a:rPr lang="en-US" dirty="0" err="1" smtClean="0"/>
+              <a:t>call_user_func_array</a:t>
+            </a:r>
+            <a:r>
+              <a:rPr lang="en-US" dirty="0" smtClean="0"/>
+              <a:t>(fun, </a:t>
+            </a:r>
+            <a:r>
+              <a:rPr lang="en-US" dirty="0" err="1" smtClean="0"/>
+              <a:t>args</a:t>
+            </a:r>
+            <a:r>
+              <a:rPr lang="en-US" dirty="0" smtClean="0"/>
+              <a:t>), </a:t>
+            </a:r>
+            <a:r>
+              <a:rPr lang="en-US" dirty="0" err="1" smtClean="0"/>
+              <a:t>call_user_func</a:t>
+            </a:r>
+            <a:r>
+              <a:rPr lang="en-US" dirty="0" smtClean="0"/>
+              <a:t>(fun, arg1, arg2, arg3 …)</a:t>
+            </a:r>
+          </a:p>
+          <a:p>
+            <a:r>
+              <a:rPr lang="en-US" dirty="0" err="1" smtClean="0"/>
+              <a:t>array_shift</a:t>
+            </a:r>
+            <a:r>
+              <a:rPr lang="en-US" dirty="0" smtClean="0"/>
+              <a:t>() </a:t>
+            </a:r>
+            <a:r>
+              <a:rPr lang="zh-CN" altLang="en-US" dirty="0"/>
+              <a:t>弹</a:t>
+            </a:r>
+            <a:r>
+              <a:rPr lang="zh-CN" altLang="en-US" dirty="0" smtClean="0"/>
+              <a:t>出数组的第一个元素</a:t>
+            </a:r>
+            <a:endParaRPr lang="en-US" dirty="0" smtClean="0"/>
+          </a:p>
+          <a:p>
+            <a:endParaRPr lang="zh-CN" altLang="en-US" dirty="0"/>
+          </a:p>
+        </p:txBody>
+      </p:sp>
+    </p:spTree>
+  </p:cSld>
+  <p:clrMapOvr>
+    <a:masterClrMapping/>
+  </p:clrMapOvr>
+</p:sld>
+</file>
+
+<file path=ppt/slides/slide7.xml><?xml version="1.0" encoding="utf-8"?>
+<p:sld xmlns:a="http://schemas.openxmlformats.org/drawingml/2006/main" xmlns:r="http://schemas.openxmlformats.org/officeDocument/2006/relationships" xmlns:p="http://schemas.openxmlformats.org/presentationml/2006/main">
+  <p:cSld>
+    <p:spTree>
+      <p:nvGrpSpPr>
+        <p:cNvPr id="1" name=""/>
+        <p:cNvGrpSpPr/>
+        <p:nvPr/>
+      </p:nvGrpSpPr>
+      <p:grpSpPr>
+        <a:xfrm>
+          <a:off x="0" y="0"/>
+          <a:ext cx="0" cy="0"/>
+          <a:chOff x="0" y="0"/>
+          <a:chExt cx="0" cy="0"/>
+        </a:xfrm>
+      </p:grpSpPr>
+      <p:sp>
+        <p:nvSpPr>
+          <p:cNvPr id="2" name="标题 1"/>
+          <p:cNvSpPr>
+            <a:spLocks noGrp="1"/>
+          </p:cNvSpPr>
+          <p:nvPr>
+            <p:ph type="title"/>
+          </p:nvPr>
+        </p:nvSpPr>
+        <p:spPr/>
+        <p:txBody>
+          <a:bodyPr/>
+          <a:lstStyle/>
+          <a:p>
+            <a:r>
               <a:rPr lang="en-US" altLang="zh-CN" dirty="0" smtClean="0"/>
               <a:t>User</a:t>
             </a:r>
@@ -3771,6 +4039,287 @@
         </p:txBody>
       </p:sp>
     </p:spTree>
+  </p:cSld>
+  <p:clrMapOvr>
+    <a:masterClrMapping/>
+  </p:clrMapOvr>
+</p:sld>
+</file>
+
+<file path=ppt/slides/slide8.xml><?xml version="1.0" encoding="utf-8"?>
+<p:sld xmlns:a="http://schemas.openxmlformats.org/drawingml/2006/main" xmlns:r="http://schemas.openxmlformats.org/officeDocument/2006/relationships" xmlns:p="http://schemas.openxmlformats.org/presentationml/2006/main">
+  <p:cSld>
+    <p:spTree>
+      <p:nvGrpSpPr>
+        <p:cNvPr id="1" name=""/>
+        <p:cNvGrpSpPr/>
+        <p:nvPr/>
+      </p:nvGrpSpPr>
+      <p:grpSpPr>
+        <a:xfrm>
+          <a:off x="0" y="0"/>
+          <a:ext cx="0" cy="0"/>
+          <a:chOff x="0" y="0"/>
+          <a:chExt cx="0" cy="0"/>
+        </a:xfrm>
+      </p:grpSpPr>
+      <p:sp>
+        <p:nvSpPr>
+          <p:cNvPr id="2" name="标题 1"/>
+          <p:cNvSpPr>
+            <a:spLocks noGrp="1"/>
+          </p:cNvSpPr>
+          <p:nvPr>
+            <p:ph type="title"/>
+          </p:nvPr>
+        </p:nvSpPr>
+        <p:spPr/>
+        <p:txBody>
+          <a:bodyPr/>
+          <a:lstStyle/>
+          <a:p>
+            <a:r>
+              <a:rPr lang="zh-CN" altLang="en-US" dirty="0" smtClean="0"/>
+              <a:t>单入口模式</a:t>
+            </a:r>
+            <a:endParaRPr lang="zh-CN" altLang="en-US" dirty="0"/>
+          </a:p>
+        </p:txBody>
+      </p:sp>
+      <p:sp>
+        <p:nvSpPr>
+          <p:cNvPr id="3" name="内容占位符 2"/>
+          <p:cNvSpPr>
+            <a:spLocks noGrp="1"/>
+          </p:cNvSpPr>
+          <p:nvPr>
+            <p:ph idx="1"/>
+          </p:nvPr>
+        </p:nvSpPr>
+        <p:spPr/>
+        <p:txBody>
+          <a:bodyPr/>
+          <a:lstStyle/>
+          <a:p>
+            <a:r>
+              <a:rPr lang="zh-CN" altLang="en-US" dirty="0" smtClean="0"/>
+              <a:t>只通过一个</a:t>
+            </a:r>
+            <a:r>
+              <a:rPr lang="en-US" altLang="zh-CN" dirty="0" err="1" smtClean="0"/>
+              <a:t>php</a:t>
+            </a:r>
+            <a:r>
+              <a:rPr lang="zh-CN" altLang="en-US" dirty="0" smtClean="0"/>
+              <a:t>文件来访问接口</a:t>
+            </a:r>
+            <a:endParaRPr lang="en-US" altLang="zh-CN" dirty="0" smtClean="0"/>
+          </a:p>
+          <a:p>
+            <a:r>
+              <a:rPr lang="en-US" altLang="zh-CN" dirty="0" smtClean="0"/>
+              <a:t>$_POST[‘action’]</a:t>
+            </a:r>
+            <a:r>
+              <a:rPr lang="zh-CN" altLang="en-US" dirty="0" smtClean="0"/>
+              <a:t>来选择访问接口</a:t>
+            </a:r>
+            <a:endParaRPr lang="en-US" altLang="zh-CN" dirty="0" smtClean="0"/>
+          </a:p>
+          <a:p>
+            <a:r>
+              <a:rPr lang="en-US" altLang="zh-CN" dirty="0" smtClean="0"/>
+              <a:t>action = ‘</a:t>
+            </a:r>
+            <a:r>
+              <a:rPr lang="en-US" altLang="zh-CN" dirty="0" err="1" smtClean="0"/>
+              <a:t>User_login</a:t>
+            </a:r>
+            <a:r>
+              <a:rPr lang="en-US" altLang="zh-CN" dirty="0" smtClean="0"/>
+              <a:t>’ =&gt; </a:t>
+            </a:r>
+            <a:r>
+              <a:rPr lang="zh-CN" altLang="en-US" dirty="0" smtClean="0"/>
+              <a:t>客户端需要访问登陆接口</a:t>
+            </a:r>
+            <a:endParaRPr lang="en-US" altLang="zh-CN" dirty="0" smtClean="0"/>
+          </a:p>
+          <a:p>
+            <a:r>
+              <a:rPr lang="zh-CN" altLang="en-US" dirty="0" smtClean="0"/>
+              <a:t>结构为 </a:t>
+            </a:r>
+            <a:r>
+              <a:rPr lang="en-US" altLang="zh-CN" dirty="0" smtClean="0"/>
+              <a:t>‘</a:t>
+            </a:r>
+            <a:r>
+              <a:rPr lang="zh-CN" altLang="en-US" dirty="0" smtClean="0"/>
+              <a:t>类名</a:t>
+            </a:r>
+            <a:r>
+              <a:rPr lang="en-US" altLang="zh-CN" dirty="0" smtClean="0"/>
+              <a:t>_</a:t>
+            </a:r>
+            <a:r>
+              <a:rPr lang="zh-CN" altLang="en-US" dirty="0" smtClean="0"/>
+              <a:t>方法名</a:t>
+            </a:r>
+            <a:r>
+              <a:rPr lang="en-US" altLang="zh-CN" dirty="0" smtClean="0"/>
+              <a:t>’</a:t>
+            </a:r>
+            <a:endParaRPr lang="zh-CN" altLang="en-US" dirty="0"/>
+          </a:p>
+        </p:txBody>
+      </p:sp>
+    </p:spTree>
+    <p:extLst>
+      <p:ext uri="{BB962C8B-B14F-4D97-AF65-F5344CB8AC3E}">
+        <p14:creationId xmlns:p14="http://schemas.microsoft.com/office/powerpoint/2010/main" val="3348117022"/>
+      </p:ext>
+    </p:extLst>
+  </p:cSld>
+  <p:clrMapOvr>
+    <a:masterClrMapping/>
+  </p:clrMapOvr>
+</p:sld>
+</file>
+
+<file path=ppt/slides/slide9.xml><?xml version="1.0" encoding="utf-8"?>
+<p:sld xmlns:a="http://schemas.openxmlformats.org/drawingml/2006/main" xmlns:r="http://schemas.openxmlformats.org/officeDocument/2006/relationships" xmlns:p="http://schemas.openxmlformats.org/presentationml/2006/main">
+  <p:cSld>
+    <p:spTree>
+      <p:nvGrpSpPr>
+        <p:cNvPr id="1" name=""/>
+        <p:cNvGrpSpPr/>
+        <p:nvPr/>
+      </p:nvGrpSpPr>
+      <p:grpSpPr>
+        <a:xfrm>
+          <a:off x="0" y="0"/>
+          <a:ext cx="0" cy="0"/>
+          <a:chOff x="0" y="0"/>
+          <a:chExt cx="0" cy="0"/>
+        </a:xfrm>
+      </p:grpSpPr>
+      <p:sp>
+        <p:nvSpPr>
+          <p:cNvPr id="2" name="标题 1"/>
+          <p:cNvSpPr>
+            <a:spLocks noGrp="1"/>
+          </p:cNvSpPr>
+          <p:nvPr>
+            <p:ph type="title"/>
+          </p:nvPr>
+        </p:nvSpPr>
+        <p:spPr/>
+        <p:txBody>
+          <a:bodyPr/>
+          <a:lstStyle/>
+          <a:p>
+            <a:r>
+              <a:rPr lang="zh-CN" altLang="en-US" dirty="0" smtClean="0"/>
+              <a:t>单</a:t>
+            </a:r>
+            <a:r>
+              <a:rPr lang="en-US" altLang="zh-CN" dirty="0" smtClean="0"/>
+              <a:t>Request</a:t>
+            </a:r>
+            <a:endParaRPr lang="zh-CN" altLang="en-US" dirty="0"/>
+          </a:p>
+        </p:txBody>
+      </p:sp>
+      <p:sp>
+        <p:nvSpPr>
+          <p:cNvPr id="3" name="内容占位符 2"/>
+          <p:cNvSpPr>
+            <a:spLocks noGrp="1"/>
+          </p:cNvSpPr>
+          <p:nvPr>
+            <p:ph idx="1"/>
+          </p:nvPr>
+        </p:nvSpPr>
+        <p:spPr/>
+        <p:txBody>
+          <a:bodyPr/>
+          <a:lstStyle/>
+          <a:p>
+            <a:r>
+              <a:rPr lang="zh-CN" altLang="en-US" dirty="0" smtClean="0"/>
+              <a:t>请求类</a:t>
+            </a:r>
+            <a:endParaRPr lang="en-US" altLang="zh-CN" dirty="0" smtClean="0"/>
+          </a:p>
+          <a:p>
+            <a:r>
+              <a:rPr lang="zh-CN" altLang="en-US" dirty="0"/>
+              <a:t>每一</a:t>
+            </a:r>
+            <a:r>
+              <a:rPr lang="zh-CN" altLang="en-US" dirty="0" smtClean="0"/>
+              <a:t>次客户端的访问，只存在一个</a:t>
+            </a:r>
+            <a:r>
+              <a:rPr lang="en-US" altLang="zh-CN" dirty="0" smtClean="0"/>
+              <a:t>request</a:t>
+            </a:r>
+          </a:p>
+          <a:p>
+            <a:r>
+              <a:rPr lang="zh-CN" altLang="en-US" dirty="0" smtClean="0"/>
+              <a:t>那么我们可以将</a:t>
+            </a:r>
+            <a:r>
+              <a:rPr lang="en-US" altLang="zh-CN" dirty="0" smtClean="0"/>
+              <a:t>request</a:t>
+            </a:r>
+            <a:r>
+              <a:rPr lang="zh-CN" altLang="en-US" dirty="0" smtClean="0"/>
+              <a:t>的相关信息，解析成一个</a:t>
+            </a:r>
+            <a:r>
+              <a:rPr lang="en-US" altLang="zh-CN" dirty="0" smtClean="0"/>
+              <a:t>Request</a:t>
+            </a:r>
+            <a:r>
+              <a:rPr lang="zh-CN" altLang="en-US" dirty="0" smtClean="0"/>
+              <a:t>类进行储存</a:t>
+            </a:r>
+            <a:endParaRPr lang="en-US" altLang="zh-CN" dirty="0" smtClean="0"/>
+          </a:p>
+          <a:p>
+            <a:r>
+              <a:rPr lang="zh-CN" altLang="en-US" dirty="0" smtClean="0"/>
+              <a:t>并且在应用中的任意位置都可以通过</a:t>
+            </a:r>
+            <a:r>
+              <a:rPr lang="en-US" altLang="zh-CN" dirty="0" smtClean="0"/>
+              <a:t>Request</a:t>
+            </a:r>
+            <a:r>
+              <a:rPr lang="zh-CN" altLang="en-US" dirty="0" smtClean="0"/>
+              <a:t>这个类的实例来访问到</a:t>
+            </a:r>
+            <a:r>
+              <a:rPr lang="en-US" altLang="zh-CN" dirty="0" err="1" smtClean="0"/>
+              <a:t>reques</a:t>
+            </a:r>
+            <a:r>
+              <a:rPr lang="zh-CN" altLang="en-US" dirty="0" smtClean="0"/>
+              <a:t>数据</a:t>
+            </a:r>
+            <a:endParaRPr lang="zh-CN" altLang="en-US" dirty="0"/>
+          </a:p>
+        </p:txBody>
+      </p:sp>
+    </p:spTree>
+    <p:extLst>
+      <p:ext uri="{BB962C8B-B14F-4D97-AF65-F5344CB8AC3E}">
+        <p14:creationId xmlns:p14="http://schemas.microsoft.com/office/powerpoint/2010/main" val="3813630229"/>
+      </p:ext>
+    </p:extLst>
   </p:cSld>
   <p:clrMapOvr>
     <a:masterClrMapping/>
